--- a/docs/presentations/402_Proposal.pptx
+++ b/docs/presentations/402_Proposal.pptx
@@ -5385,8 +5385,8 @@
         </p:nvSpPr>
         <p:spPr>
           <a:xfrm>
-            <a:off x="1585950" y="2247900"/>
-            <a:ext cx="5972100" cy="647700"/>
+            <a:off x="444225" y="1452150"/>
+            <a:ext cx="5972100" cy="3264600"/>
           </a:xfrm>
           <a:prstGeom prst="rect">
             <a:avLst/>
@@ -5398,10 +5398,38 @@
           </a:bodyPr>
           <a:lstStyle/>
           <a:p>
-            <a:pPr lvl="0" rtl="0">
-              <a:spcBef>
-                <a:spcPts val="0"/>
-              </a:spcBef>
+            <a:pPr lvl="0">
+              <a:lnSpc>
+                <a:spcPct val="100000"/>
+              </a:lnSpc>
+              <a:spcBef>
+                <a:spcPts val="0"/>
+              </a:spcBef>
+              <a:spcAft>
+                <a:spcPts val="0"/>
+              </a:spcAft>
+              <a:buNone/>
+            </a:pPr>
+            <a:r>
+              <a:rPr lang="en">
+                <a:solidFill>
+                  <a:srgbClr val="000000"/>
+                </a:solidFill>
+              </a:rPr>
+              <a:t>Schedule:</a:t>
+            </a:r>
+          </a:p>
+          <a:p>
+            <a:pPr indent="457200" lvl="0" rtl="0">
+              <a:lnSpc>
+                <a:spcPct val="100000"/>
+              </a:lnSpc>
+              <a:spcBef>
+                <a:spcPts val="0"/>
+              </a:spcBef>
+              <a:spcAft>
+                <a:spcPts val="0"/>
+              </a:spcAft>
               <a:buNone/>
             </a:pPr>
             <a:r>
@@ -5412,6 +5440,138 @@
                 <a:hlinkClick r:id="rId3"/>
               </a:rPr>
               <a:t>https://teamup.com/ksdfb66fa4b11f6b5b</a:t>
+            </a:r>
+          </a:p>
+          <a:p>
+            <a:pPr indent="457200" lvl="0" rtl="0">
+              <a:lnSpc>
+                <a:spcPct val="100000"/>
+              </a:lnSpc>
+              <a:spcBef>
+                <a:spcPts val="0"/>
+              </a:spcBef>
+              <a:spcAft>
+                <a:spcPts val="0"/>
+              </a:spcAft>
+              <a:buNone/>
+            </a:pPr>
+            <a:r>
+              <a:t/>
+            </a:r>
+            <a:endParaRPr>
+              <a:solidFill>
+                <a:srgbClr val="000000"/>
+              </a:solidFill>
+            </a:endParaRPr>
+          </a:p>
+          <a:p>
+            <a:pPr indent="0" lvl="0" marL="0" rtl="0">
+              <a:lnSpc>
+                <a:spcPct val="100000"/>
+              </a:lnSpc>
+              <a:spcBef>
+                <a:spcPts val="0"/>
+              </a:spcBef>
+              <a:spcAft>
+                <a:spcPts val="0"/>
+              </a:spcAft>
+              <a:buNone/>
+            </a:pPr>
+            <a:r>
+              <a:rPr lang="en">
+                <a:solidFill>
+                  <a:srgbClr val="000000"/>
+                </a:solidFill>
+              </a:rPr>
+              <a:t>Milestones:</a:t>
+            </a:r>
+          </a:p>
+          <a:p>
+            <a:pPr indent="0" lvl="0" marL="0" rtl="0">
+              <a:lnSpc>
+                <a:spcPct val="100000"/>
+              </a:lnSpc>
+              <a:spcBef>
+                <a:spcPts val="0"/>
+              </a:spcBef>
+              <a:spcAft>
+                <a:spcPts val="0"/>
+              </a:spcAft>
+              <a:buNone/>
+            </a:pPr>
+            <a:r>
+              <a:rPr lang="en">
+                <a:solidFill>
+                  <a:srgbClr val="000000"/>
+                </a:solidFill>
+              </a:rPr>
+              <a:t>	• Testing framework</a:t>
+            </a:r>
+          </a:p>
+          <a:p>
+            <a:pPr indent="0" lvl="0" marL="0" rtl="0">
+              <a:lnSpc>
+                <a:spcPct val="100000"/>
+              </a:lnSpc>
+              <a:spcBef>
+                <a:spcPts val="0"/>
+              </a:spcBef>
+              <a:spcAft>
+                <a:spcPts val="0"/>
+              </a:spcAft>
+              <a:buNone/>
+            </a:pPr>
+            <a:r>
+              <a:rPr lang="en">
+                <a:solidFill>
+                  <a:srgbClr val="000000"/>
+                </a:solidFill>
+              </a:rPr>
+              <a:t>	• HIPAA compliance</a:t>
+            </a:r>
+          </a:p>
+          <a:p>
+            <a:pPr indent="0" lvl="0" marL="0" rtl="0">
+              <a:lnSpc>
+                <a:spcPct val="100000"/>
+              </a:lnSpc>
+              <a:spcBef>
+                <a:spcPts val="0"/>
+              </a:spcBef>
+              <a:spcAft>
+                <a:spcPts val="0"/>
+              </a:spcAft>
+              <a:buNone/>
+            </a:pPr>
+            <a:r>
+              <a:rPr lang="en">
+                <a:solidFill>
+                  <a:srgbClr val="000000"/>
+                </a:solidFill>
+              </a:rPr>
+              <a:t>	• Interaction Design</a:t>
+            </a:r>
+          </a:p>
+          <a:p>
+            <a:pPr indent="0" lvl="0" marL="0" rtl="0">
+              <a:lnSpc>
+                <a:spcPct val="100000"/>
+              </a:lnSpc>
+              <a:spcBef>
+                <a:spcPts val="0"/>
+              </a:spcBef>
+              <a:spcAft>
+                <a:spcPts val="0"/>
+              </a:spcAft>
+              <a:buNone/>
+            </a:pPr>
+            <a:r>
+              <a:rPr lang="en">
+                <a:solidFill>
+                  <a:srgbClr val="000000"/>
+                </a:solidFill>
+              </a:rPr>
+              <a:t>	• Minimum Viable Product</a:t>
             </a:r>
           </a:p>
         </p:txBody>
